--- a/Latex/ppts/section1.pptx
+++ b/Latex/ppts/section1.pptx
@@ -243,7 +243,7 @@
           <a:p>
             <a:fld id="{58E36299-FA0C-D144-B183-7D6C396EB88F}" type="datetimeFigureOut">
               <a:rPr lang="en-US" smtClean="0"/>
-              <a:t>6/7/18</a:t>
+              <a:t>6/12/18</a:t>
             </a:fld>
             <a:endParaRPr lang="en-US"/>
           </a:p>
@@ -413,7 +413,7 @@
           <a:p>
             <a:fld id="{58E36299-FA0C-D144-B183-7D6C396EB88F}" type="datetimeFigureOut">
               <a:rPr lang="en-US" smtClean="0"/>
-              <a:t>6/7/18</a:t>
+              <a:t>6/12/18</a:t>
             </a:fld>
             <a:endParaRPr lang="en-US"/>
           </a:p>
@@ -593,7 +593,7 @@
           <a:p>
             <a:fld id="{58E36299-FA0C-D144-B183-7D6C396EB88F}" type="datetimeFigureOut">
               <a:rPr lang="en-US" smtClean="0"/>
-              <a:t>6/7/18</a:t>
+              <a:t>6/12/18</a:t>
             </a:fld>
             <a:endParaRPr lang="en-US"/>
           </a:p>
@@ -763,7 +763,7 @@
           <a:p>
             <a:fld id="{58E36299-FA0C-D144-B183-7D6C396EB88F}" type="datetimeFigureOut">
               <a:rPr lang="en-US" smtClean="0"/>
-              <a:t>6/7/18</a:t>
+              <a:t>6/12/18</a:t>
             </a:fld>
             <a:endParaRPr lang="en-US"/>
           </a:p>
@@ -1009,7 +1009,7 @@
           <a:p>
             <a:fld id="{58E36299-FA0C-D144-B183-7D6C396EB88F}" type="datetimeFigureOut">
               <a:rPr lang="en-US" smtClean="0"/>
-              <a:t>6/7/18</a:t>
+              <a:t>6/12/18</a:t>
             </a:fld>
             <a:endParaRPr lang="en-US"/>
           </a:p>
@@ -1241,7 +1241,7 @@
           <a:p>
             <a:fld id="{58E36299-FA0C-D144-B183-7D6C396EB88F}" type="datetimeFigureOut">
               <a:rPr lang="en-US" smtClean="0"/>
-              <a:t>6/7/18</a:t>
+              <a:t>6/12/18</a:t>
             </a:fld>
             <a:endParaRPr lang="en-US"/>
           </a:p>
@@ -1608,7 +1608,7 @@
           <a:p>
             <a:fld id="{58E36299-FA0C-D144-B183-7D6C396EB88F}" type="datetimeFigureOut">
               <a:rPr lang="en-US" smtClean="0"/>
-              <a:t>6/7/18</a:t>
+              <a:t>6/12/18</a:t>
             </a:fld>
             <a:endParaRPr lang="en-US"/>
           </a:p>
@@ -1726,7 +1726,7 @@
           <a:p>
             <a:fld id="{58E36299-FA0C-D144-B183-7D6C396EB88F}" type="datetimeFigureOut">
               <a:rPr lang="en-US" smtClean="0"/>
-              <a:t>6/7/18</a:t>
+              <a:t>6/12/18</a:t>
             </a:fld>
             <a:endParaRPr lang="en-US"/>
           </a:p>
@@ -1821,7 +1821,7 @@
           <a:p>
             <a:fld id="{58E36299-FA0C-D144-B183-7D6C396EB88F}" type="datetimeFigureOut">
               <a:rPr lang="en-US" smtClean="0"/>
-              <a:t>6/7/18</a:t>
+              <a:t>6/12/18</a:t>
             </a:fld>
             <a:endParaRPr lang="en-US"/>
           </a:p>
@@ -2098,7 +2098,7 @@
           <a:p>
             <a:fld id="{58E36299-FA0C-D144-B183-7D6C396EB88F}" type="datetimeFigureOut">
               <a:rPr lang="en-US" smtClean="0"/>
-              <a:t>6/7/18</a:t>
+              <a:t>6/12/18</a:t>
             </a:fld>
             <a:endParaRPr lang="en-US"/>
           </a:p>
@@ -2351,7 +2351,7 @@
           <a:p>
             <a:fld id="{58E36299-FA0C-D144-B183-7D6C396EB88F}" type="datetimeFigureOut">
               <a:rPr lang="en-US" smtClean="0"/>
-              <a:t>6/7/18</a:t>
+              <a:t>6/12/18</a:t>
             </a:fld>
             <a:endParaRPr lang="en-US"/>
           </a:p>
@@ -2564,7 +2564,7 @@
           <a:p>
             <a:fld id="{58E36299-FA0C-D144-B183-7D6C396EB88F}" type="datetimeFigureOut">
               <a:rPr lang="en-US" smtClean="0"/>
-              <a:t>6/7/18</a:t>
+              <a:t>6/12/18</a:t>
             </a:fld>
             <a:endParaRPr lang="en-US"/>
           </a:p>
@@ -3131,18 +3131,24 @@
       </p:sp>
       <p:sp>
         <p:nvSpPr>
-          <p:cNvPr id="9" name="Rectangle 8"/>
+          <p:cNvPr id="10" name="Rectangle 9"/>
           <p:cNvSpPr/>
           <p:nvPr/>
         </p:nvSpPr>
         <p:spPr>
           <a:xfrm>
-            <a:off x="5173065" y="2191116"/>
+            <a:off x="5173065" y="2218512"/>
             <a:ext cx="1358176" cy="481897"/>
           </a:xfrm>
           <a:prstGeom prst="rect">
             <a:avLst/>
           </a:prstGeom>
+          <a:solidFill>
+            <a:schemeClr val="accent2">
+              <a:lumMod val="60000"/>
+              <a:lumOff val="40000"/>
+            </a:schemeClr>
+          </a:solidFill>
         </p:spPr>
         <p:style>
           <a:lnRef idx="2">
@@ -3169,122 +3175,6 @@
           </a:p>
         </p:txBody>
       </p:sp>
-      <p:sp>
-        <p:nvSpPr>
-          <p:cNvPr id="10" name="Rectangle 9"/>
-          <p:cNvSpPr/>
-          <p:nvPr/>
-        </p:nvSpPr>
-        <p:spPr>
-          <a:xfrm>
-            <a:off x="5173065" y="1523265"/>
-            <a:ext cx="1358176" cy="481897"/>
-          </a:xfrm>
-          <a:prstGeom prst="rect">
-            <a:avLst/>
-          </a:prstGeom>
-          <a:solidFill>
-            <a:schemeClr val="accent2">
-              <a:lumMod val="60000"/>
-              <a:lumOff val="40000"/>
-            </a:schemeClr>
-          </a:solidFill>
-        </p:spPr>
-        <p:style>
-          <a:lnRef idx="2">
-            <a:schemeClr val="accent1">
-              <a:shade val="50000"/>
-            </a:schemeClr>
-          </a:lnRef>
-          <a:fillRef idx="1">
-            <a:schemeClr val="accent1"/>
-          </a:fillRef>
-          <a:effectRef idx="0">
-            <a:schemeClr val="accent1"/>
-          </a:effectRef>
-          <a:fontRef idx="minor">
-            <a:schemeClr val="lt1"/>
-          </a:fontRef>
-        </p:style>
-        <p:txBody>
-          <a:bodyPr rtlCol="0" anchor="ctr"/>
-          <a:lstStyle/>
-          <a:p>
-            <a:pPr algn="ctr"/>
-            <a:endParaRPr lang="en-US"/>
-          </a:p>
-        </p:txBody>
-      </p:sp>
-      <p:cxnSp>
-        <p:nvCxnSpPr>
-          <p:cNvPr id="13" name="Straight Connector 12"/>
-          <p:cNvCxnSpPr/>
-          <p:nvPr/>
-        </p:nvCxnSpPr>
-        <p:spPr>
-          <a:xfrm flipV="1">
-            <a:off x="5852153" y="2005162"/>
-            <a:ext cx="0" cy="185954"/>
-          </a:xfrm>
-          <a:prstGeom prst="line">
-            <a:avLst/>
-          </a:prstGeom>
-          <a:ln w="31750">
-            <a:solidFill>
-              <a:schemeClr val="tx1"/>
-            </a:solidFill>
-          </a:ln>
-        </p:spPr>
-        <p:style>
-          <a:lnRef idx="1">
-            <a:schemeClr val="accent1"/>
-          </a:lnRef>
-          <a:fillRef idx="0">
-            <a:schemeClr val="accent1"/>
-          </a:fillRef>
-          <a:effectRef idx="0">
-            <a:schemeClr val="accent1"/>
-          </a:effectRef>
-          <a:fontRef idx="minor">
-            <a:schemeClr val="tx1"/>
-          </a:fontRef>
-        </p:style>
-      </p:cxnSp>
-      <p:cxnSp>
-        <p:nvCxnSpPr>
-          <p:cNvPr id="26" name="Straight Connector 25"/>
-          <p:cNvCxnSpPr/>
-          <p:nvPr/>
-        </p:nvCxnSpPr>
-        <p:spPr>
-          <a:xfrm>
-            <a:off x="5852153" y="2673013"/>
-            <a:ext cx="0" cy="187606"/>
-          </a:xfrm>
-          <a:prstGeom prst="line">
-            <a:avLst/>
-          </a:prstGeom>
-          <a:ln w="31750">
-            <a:solidFill>
-              <a:schemeClr val="tx1"/>
-            </a:solidFill>
-          </a:ln>
-        </p:spPr>
-        <p:style>
-          <a:lnRef idx="1">
-            <a:schemeClr val="accent1"/>
-          </a:lnRef>
-          <a:fillRef idx="0">
-            <a:schemeClr val="accent1"/>
-          </a:fillRef>
-          <a:effectRef idx="0">
-            <a:schemeClr val="accent1"/>
-          </a:effectRef>
-          <a:fontRef idx="minor">
-            <a:schemeClr val="tx1"/>
-          </a:fontRef>
-        </p:style>
-      </p:cxnSp>
       <p:cxnSp>
         <p:nvCxnSpPr>
           <p:cNvPr id="29" name="Straight Connector 28"/>
@@ -3398,7 +3288,7 @@
         </p:nvSpPr>
         <p:spPr>
           <a:xfrm>
-            <a:off x="5266512" y="1530402"/>
+            <a:off x="5266512" y="2225649"/>
             <a:ext cx="1171283" cy="461665"/>
           </a:xfrm>
           <a:prstGeom prst="rect">
@@ -3430,13 +3320,13 @@
       </p:sp>
       <p:sp>
         <p:nvSpPr>
-          <p:cNvPr id="174" name="TextBox 173"/>
+          <p:cNvPr id="175" name="TextBox 174"/>
           <p:cNvSpPr txBox="1"/>
           <p:nvPr/>
         </p:nvSpPr>
         <p:spPr>
           <a:xfrm>
-            <a:off x="5266512" y="2198511"/>
+            <a:off x="5266512" y="2880942"/>
             <a:ext cx="1171283" cy="461665"/>
           </a:xfrm>
           <a:prstGeom prst="rect">
@@ -3453,14 +3343,14 @@
             <a:pPr algn="ctr"/>
             <a:r>
               <a:rPr lang="en-US" sz="1200" dirty="0" smtClean="0"/>
-              <a:t>128 filters</a:t>
+              <a:t>512 filters</a:t>
             </a:r>
           </a:p>
           <a:p>
             <a:pPr algn="ctr"/>
             <a:r>
               <a:rPr lang="en-US" sz="1200" dirty="0" smtClean="0"/>
-              <a:t>1x1 Conv</a:t>
+              <a:t>3x3 Conv</a:t>
             </a:r>
             <a:endParaRPr lang="en-US" sz="1200" dirty="0"/>
           </a:p>
@@ -3468,13 +3358,13 @@
       </p:sp>
       <p:sp>
         <p:nvSpPr>
-          <p:cNvPr id="175" name="TextBox 174"/>
+          <p:cNvPr id="176" name="TextBox 175"/>
           <p:cNvSpPr txBox="1"/>
           <p:nvPr/>
         </p:nvSpPr>
         <p:spPr>
           <a:xfrm>
-            <a:off x="5266512" y="2880942"/>
+            <a:off x="5266512" y="3562965"/>
             <a:ext cx="1171283" cy="461665"/>
           </a:xfrm>
           <a:prstGeom prst="rect">
@@ -3491,7 +3381,7 @@
             <a:pPr algn="ctr"/>
             <a:r>
               <a:rPr lang="en-US" sz="1200" dirty="0" smtClean="0"/>
-              <a:t>512 filters</a:t>
+              <a:t>256 filters</a:t>
             </a:r>
           </a:p>
           <a:p>
@@ -3506,13 +3396,13 @@
       </p:sp>
       <p:sp>
         <p:nvSpPr>
-          <p:cNvPr id="176" name="TextBox 175"/>
+          <p:cNvPr id="177" name="TextBox 176"/>
           <p:cNvSpPr txBox="1"/>
           <p:nvPr/>
         </p:nvSpPr>
         <p:spPr>
           <a:xfrm>
-            <a:off x="5266512" y="3562965"/>
+            <a:off x="5266512" y="4214247"/>
             <a:ext cx="1171283" cy="461665"/>
           </a:xfrm>
           <a:prstGeom prst="rect">
@@ -3544,13 +3434,13 @@
       </p:sp>
       <p:sp>
         <p:nvSpPr>
-          <p:cNvPr id="177" name="TextBox 176"/>
+          <p:cNvPr id="178" name="TextBox 177"/>
           <p:cNvSpPr txBox="1"/>
           <p:nvPr/>
         </p:nvSpPr>
         <p:spPr>
           <a:xfrm>
-            <a:off x="5266512" y="4214247"/>
+            <a:off x="5266512" y="4878784"/>
             <a:ext cx="1171283" cy="461665"/>
           </a:xfrm>
           <a:prstGeom prst="rect">
@@ -3567,44 +3457,6 @@
             <a:pPr algn="ctr"/>
             <a:r>
               <a:rPr lang="en-US" sz="1200" dirty="0" smtClean="0"/>
-              <a:t>256 filters</a:t>
-            </a:r>
-          </a:p>
-          <a:p>
-            <a:pPr algn="ctr"/>
-            <a:r>
-              <a:rPr lang="en-US" sz="1200" dirty="0" smtClean="0"/>
-              <a:t>3x3 Conv</a:t>
-            </a:r>
-            <a:endParaRPr lang="en-US" sz="1200" dirty="0"/>
-          </a:p>
-        </p:txBody>
-      </p:sp>
-      <p:sp>
-        <p:nvSpPr>
-          <p:cNvPr id="178" name="TextBox 177"/>
-          <p:cNvSpPr txBox="1"/>
-          <p:nvPr/>
-        </p:nvSpPr>
-        <p:spPr>
-          <a:xfrm>
-            <a:off x="5266512" y="4878784"/>
-            <a:ext cx="1171283" cy="461665"/>
-          </a:xfrm>
-          <a:prstGeom prst="rect">
-            <a:avLst/>
-          </a:prstGeom>
-          <a:noFill/>
-        </p:spPr>
-        <p:txBody>
-          <a:bodyPr wrap="square" rtlCol="0">
-            <a:spAutoFit/>
-          </a:bodyPr>
-          <a:lstStyle/>
-          <a:p>
-            <a:pPr algn="ctr"/>
-            <a:r>
-              <a:rPr lang="en-US" sz="1200" dirty="0" smtClean="0"/>
               <a:t>128 filters</a:t>
             </a:r>
           </a:p>
@@ -3626,7 +3478,7 @@
         </p:nvSpPr>
         <p:spPr>
           <a:xfrm>
-            <a:off x="5173065" y="861508"/>
+            <a:off x="5173065" y="1543266"/>
             <a:ext cx="1358176" cy="481897"/>
           </a:xfrm>
           <a:prstGeom prst="rect">
@@ -3634,7 +3486,7 @@
           </a:prstGeom>
           <a:solidFill>
             <a:schemeClr val="bg1">
-              <a:lumMod val="65000"/>
+              <a:lumMod val="85000"/>
             </a:schemeClr>
           </a:solidFill>
         </p:spPr>
@@ -3663,41 +3515,6 @@
           </a:p>
         </p:txBody>
       </p:sp>
-      <p:cxnSp>
-        <p:nvCxnSpPr>
-          <p:cNvPr id="191" name="Straight Connector 190"/>
-          <p:cNvCxnSpPr/>
-          <p:nvPr/>
-        </p:nvCxnSpPr>
-        <p:spPr>
-          <a:xfrm>
-            <a:off x="5852153" y="1343405"/>
-            <a:ext cx="1" cy="186997"/>
-          </a:xfrm>
-          <a:prstGeom prst="line">
-            <a:avLst/>
-          </a:prstGeom>
-          <a:ln w="31750">
-            <a:solidFill>
-              <a:schemeClr val="tx1"/>
-            </a:solidFill>
-          </a:ln>
-        </p:spPr>
-        <p:style>
-          <a:lnRef idx="1">
-            <a:schemeClr val="accent1"/>
-          </a:lnRef>
-          <a:fillRef idx="0">
-            <a:schemeClr val="accent1"/>
-          </a:fillRef>
-          <a:effectRef idx="0">
-            <a:schemeClr val="accent1"/>
-          </a:effectRef>
-          <a:fontRef idx="minor">
-            <a:schemeClr val="tx1"/>
-          </a:fontRef>
-        </p:style>
-      </p:cxnSp>
       <p:sp>
         <p:nvSpPr>
           <p:cNvPr id="194" name="TextBox 193"/>
@@ -3706,8 +3523,8 @@
         </p:nvSpPr>
         <p:spPr>
           <a:xfrm>
-            <a:off x="5266512" y="950248"/>
-            <a:ext cx="1171283" cy="276999"/>
+            <a:off x="5266510" y="1583530"/>
+            <a:ext cx="1171283" cy="461665"/>
           </a:xfrm>
           <a:prstGeom prst="rect">
             <a:avLst/>
@@ -3719,6 +3536,13 @@
             <a:spAutoFit/>
           </a:bodyPr>
           <a:lstStyle/>
+          <a:p>
+            <a:pPr algn="ctr"/>
+            <a:r>
+              <a:rPr lang="en-US" sz="1200" smtClean="0"/>
+              <a:t>Output Image</a:t>
+            </a:r>
+          </a:p>
           <a:p>
             <a:pPr algn="ctr"/>
             <a:r>
@@ -3745,7 +3569,7 @@
           </a:prstGeom>
           <a:solidFill>
             <a:schemeClr val="bg1">
-              <a:lumMod val="65000"/>
+              <a:lumMod val="85000"/>
             </a:schemeClr>
           </a:solidFill>
         </p:spPr>
@@ -3782,8 +3606,8 @@
         </p:nvSpPr>
         <p:spPr>
           <a:xfrm>
-            <a:off x="5266512" y="5634532"/>
-            <a:ext cx="1171283" cy="276999"/>
+            <a:off x="5266511" y="5566024"/>
+            <a:ext cx="1171283" cy="461665"/>
           </a:xfrm>
           <a:prstGeom prst="rect">
             <a:avLst/>
@@ -3795,6 +3619,13 @@
             <a:spAutoFit/>
           </a:bodyPr>
           <a:lstStyle/>
+          <a:p>
+            <a:pPr algn="ctr"/>
+            <a:r>
+              <a:rPr lang="en-US" sz="1200" smtClean="0"/>
+              <a:t>Input Image</a:t>
+            </a:r>
+          </a:p>
           <a:p>
             <a:pPr algn="ctr"/>
             <a:r>
@@ -3815,6 +3646,82 @@
           <a:xfrm>
             <a:off x="5852153" y="5357396"/>
             <a:ext cx="0" cy="188396"/>
+          </a:xfrm>
+          <a:prstGeom prst="line">
+            <a:avLst/>
+          </a:prstGeom>
+          <a:ln w="31750">
+            <a:solidFill>
+              <a:schemeClr val="tx1"/>
+            </a:solidFill>
+          </a:ln>
+        </p:spPr>
+        <p:style>
+          <a:lnRef idx="1">
+            <a:schemeClr val="accent1"/>
+          </a:lnRef>
+          <a:fillRef idx="0">
+            <a:schemeClr val="accent1"/>
+          </a:fillRef>
+          <a:effectRef idx="0">
+            <a:schemeClr val="accent1"/>
+          </a:effectRef>
+          <a:fontRef idx="minor">
+            <a:schemeClr val="tx1"/>
+          </a:fontRef>
+        </p:style>
+      </p:cxnSp>
+      <p:cxnSp>
+        <p:nvCxnSpPr>
+          <p:cNvPr id="3" name="Straight Connector 2"/>
+          <p:cNvCxnSpPr>
+            <a:stCxn id="173" idx="2"/>
+            <a:endCxn id="8" idx="0"/>
+          </p:cNvCxnSpPr>
+          <p:nvPr/>
+        </p:nvCxnSpPr>
+        <p:spPr>
+          <a:xfrm flipH="1">
+            <a:off x="5852153" y="2687314"/>
+            <a:ext cx="1" cy="173305"/>
+          </a:xfrm>
+          <a:prstGeom prst="line">
+            <a:avLst/>
+          </a:prstGeom>
+          <a:ln w="31750">
+            <a:solidFill>
+              <a:schemeClr val="tx1"/>
+            </a:solidFill>
+          </a:ln>
+        </p:spPr>
+        <p:style>
+          <a:lnRef idx="1">
+            <a:schemeClr val="accent1"/>
+          </a:lnRef>
+          <a:fillRef idx="0">
+            <a:schemeClr val="accent1"/>
+          </a:fillRef>
+          <a:effectRef idx="0">
+            <a:schemeClr val="accent1"/>
+          </a:effectRef>
+          <a:fontRef idx="minor">
+            <a:schemeClr val="tx1"/>
+          </a:fontRef>
+        </p:style>
+      </p:cxnSp>
+      <p:cxnSp>
+        <p:nvCxnSpPr>
+          <p:cNvPr id="12" name="Straight Connector 11"/>
+          <p:cNvCxnSpPr>
+            <a:stCxn id="189" idx="2"/>
+            <a:endCxn id="10" idx="0"/>
+          </p:cNvCxnSpPr>
+          <p:nvPr/>
+        </p:nvCxnSpPr>
+        <p:spPr>
+          <a:xfrm>
+            <a:off x="5852153" y="2025163"/>
+            <a:ext cx="0" cy="193349"/>
           </a:xfrm>
           <a:prstGeom prst="line">
             <a:avLst/>

--- a/Latex/ppts/section1.pptx
+++ b/Latex/ppts/section1.pptx
@@ -243,7 +243,7 @@
           <a:p>
             <a:fld id="{58E36299-FA0C-D144-B183-7D6C396EB88F}" type="datetimeFigureOut">
               <a:rPr lang="en-US" smtClean="0"/>
-              <a:t>6/12/18</a:t>
+              <a:t>7/20/18</a:t>
             </a:fld>
             <a:endParaRPr lang="en-US"/>
           </a:p>
@@ -413,7 +413,7 @@
           <a:p>
             <a:fld id="{58E36299-FA0C-D144-B183-7D6C396EB88F}" type="datetimeFigureOut">
               <a:rPr lang="en-US" smtClean="0"/>
-              <a:t>6/12/18</a:t>
+              <a:t>7/20/18</a:t>
             </a:fld>
             <a:endParaRPr lang="en-US"/>
           </a:p>
@@ -593,7 +593,7 @@
           <a:p>
             <a:fld id="{58E36299-FA0C-D144-B183-7D6C396EB88F}" type="datetimeFigureOut">
               <a:rPr lang="en-US" smtClean="0"/>
-              <a:t>6/12/18</a:t>
+              <a:t>7/20/18</a:t>
             </a:fld>
             <a:endParaRPr lang="en-US"/>
           </a:p>
@@ -763,7 +763,7 @@
           <a:p>
             <a:fld id="{58E36299-FA0C-D144-B183-7D6C396EB88F}" type="datetimeFigureOut">
               <a:rPr lang="en-US" smtClean="0"/>
-              <a:t>6/12/18</a:t>
+              <a:t>7/20/18</a:t>
             </a:fld>
             <a:endParaRPr lang="en-US"/>
           </a:p>
@@ -1009,7 +1009,7 @@
           <a:p>
             <a:fld id="{58E36299-FA0C-D144-B183-7D6C396EB88F}" type="datetimeFigureOut">
               <a:rPr lang="en-US" smtClean="0"/>
-              <a:t>6/12/18</a:t>
+              <a:t>7/20/18</a:t>
             </a:fld>
             <a:endParaRPr lang="en-US"/>
           </a:p>
@@ -1241,7 +1241,7 @@
           <a:p>
             <a:fld id="{58E36299-FA0C-D144-B183-7D6C396EB88F}" type="datetimeFigureOut">
               <a:rPr lang="en-US" smtClean="0"/>
-              <a:t>6/12/18</a:t>
+              <a:t>7/20/18</a:t>
             </a:fld>
             <a:endParaRPr lang="en-US"/>
           </a:p>
@@ -1608,7 +1608,7 @@
           <a:p>
             <a:fld id="{58E36299-FA0C-D144-B183-7D6C396EB88F}" type="datetimeFigureOut">
               <a:rPr lang="en-US" smtClean="0"/>
-              <a:t>6/12/18</a:t>
+              <a:t>7/20/18</a:t>
             </a:fld>
             <a:endParaRPr lang="en-US"/>
           </a:p>
@@ -1726,7 +1726,7 @@
           <a:p>
             <a:fld id="{58E36299-FA0C-D144-B183-7D6C396EB88F}" type="datetimeFigureOut">
               <a:rPr lang="en-US" smtClean="0"/>
-              <a:t>6/12/18</a:t>
+              <a:t>7/20/18</a:t>
             </a:fld>
             <a:endParaRPr lang="en-US"/>
           </a:p>
@@ -1821,7 +1821,7 @@
           <a:p>
             <a:fld id="{58E36299-FA0C-D144-B183-7D6C396EB88F}" type="datetimeFigureOut">
               <a:rPr lang="en-US" smtClean="0"/>
-              <a:t>6/12/18</a:t>
+              <a:t>7/20/18</a:t>
             </a:fld>
             <a:endParaRPr lang="en-US"/>
           </a:p>
@@ -2098,7 +2098,7 @@
           <a:p>
             <a:fld id="{58E36299-FA0C-D144-B183-7D6C396EB88F}" type="datetimeFigureOut">
               <a:rPr lang="en-US" smtClean="0"/>
-              <a:t>6/12/18</a:t>
+              <a:t>7/20/18</a:t>
             </a:fld>
             <a:endParaRPr lang="en-US"/>
           </a:p>
@@ -2351,7 +2351,7 @@
           <a:p>
             <a:fld id="{58E36299-FA0C-D144-B183-7D6C396EB88F}" type="datetimeFigureOut">
               <a:rPr lang="en-US" smtClean="0"/>
-              <a:t>6/12/18</a:t>
+              <a:t>7/20/18</a:t>
             </a:fld>
             <a:endParaRPr lang="en-US"/>
           </a:p>
@@ -2564,7 +2564,7 @@
           <a:p>
             <a:fld id="{58E36299-FA0C-D144-B183-7D6C396EB88F}" type="datetimeFigureOut">
               <a:rPr lang="en-US" smtClean="0"/>
-              <a:t>6/12/18</a:t>
+              <a:t>7/20/18</a:t>
             </a:fld>
             <a:endParaRPr lang="en-US"/>
           </a:p>
@@ -3539,15 +3539,15 @@
           <a:p>
             <a:pPr algn="ctr"/>
             <a:r>
+              <a:rPr lang="en-US" sz="1200" dirty="0" smtClean="0"/>
+              <a:t>Output Image</a:t>
+            </a:r>
+          </a:p>
+          <a:p>
+            <a:pPr algn="ctr"/>
+            <a:r>
               <a:rPr lang="en-US" sz="1200" smtClean="0"/>
-              <a:t>Output Image</a:t>
-            </a:r>
-          </a:p>
-          <a:p>
-            <a:pPr algn="ctr"/>
-            <a:r>
-              <a:rPr lang="en-US" sz="1200" dirty="0" smtClean="0"/>
-              <a:t>120x120x128</a:t>
+              <a:t>120x120x512</a:t>
             </a:r>
             <a:endParaRPr lang="en-US" sz="1200" dirty="0"/>
           </a:p>
